--- a/01_document/01_home_idea/home_idea_shiun.pptx
+++ b/01_document/01_home_idea/home_idea_shiun.pptx
@@ -7,7 +7,8 @@
   <p:sldIdLst>
     <p:sldId id="256" r:id="rId2"/>
     <p:sldId id="257" r:id="rId3"/>
-    <p:sldId id="258" r:id="rId4"/>
+    <p:sldId id="259" r:id="rId4"/>
+    <p:sldId id="258" r:id="rId5"/>
   </p:sldIdLst>
   <p:sldSz cx="12192000" cy="6858000"/>
   <p:notesSz cx="6858000" cy="9144000"/>
@@ -261,7 +262,7 @@
           <a:p>
             <a:fld id="{89919957-206D-479E-989B-1EE1C344AF5E}" type="datetimeFigureOut">
               <a:rPr lang="zh-TW" altLang="en-US" smtClean="0"/>
-              <a:t>2021/1/23</a:t>
+              <a:t>2021/2/11</a:t>
             </a:fld>
             <a:endParaRPr lang="zh-TW" altLang="en-US"/>
           </a:p>
@@ -459,7 +460,7 @@
           <a:p>
             <a:fld id="{89919957-206D-479E-989B-1EE1C344AF5E}" type="datetimeFigureOut">
               <a:rPr lang="zh-TW" altLang="en-US" smtClean="0"/>
-              <a:t>2021/1/23</a:t>
+              <a:t>2021/2/11</a:t>
             </a:fld>
             <a:endParaRPr lang="zh-TW" altLang="en-US"/>
           </a:p>
@@ -667,7 +668,7 @@
           <a:p>
             <a:fld id="{89919957-206D-479E-989B-1EE1C344AF5E}" type="datetimeFigureOut">
               <a:rPr lang="zh-TW" altLang="en-US" smtClean="0"/>
-              <a:t>2021/1/23</a:t>
+              <a:t>2021/2/11</a:t>
             </a:fld>
             <a:endParaRPr lang="zh-TW" altLang="en-US"/>
           </a:p>
@@ -865,7 +866,7 @@
           <a:p>
             <a:fld id="{89919957-206D-479E-989B-1EE1C344AF5E}" type="datetimeFigureOut">
               <a:rPr lang="zh-TW" altLang="en-US" smtClean="0"/>
-              <a:t>2021/1/23</a:t>
+              <a:t>2021/2/11</a:t>
             </a:fld>
             <a:endParaRPr lang="zh-TW" altLang="en-US"/>
           </a:p>
@@ -1140,7 +1141,7 @@
           <a:p>
             <a:fld id="{89919957-206D-479E-989B-1EE1C344AF5E}" type="datetimeFigureOut">
               <a:rPr lang="zh-TW" altLang="en-US" smtClean="0"/>
-              <a:t>2021/1/23</a:t>
+              <a:t>2021/2/11</a:t>
             </a:fld>
             <a:endParaRPr lang="zh-TW" altLang="en-US"/>
           </a:p>
@@ -1405,7 +1406,7 @@
           <a:p>
             <a:fld id="{89919957-206D-479E-989B-1EE1C344AF5E}" type="datetimeFigureOut">
               <a:rPr lang="zh-TW" altLang="en-US" smtClean="0"/>
-              <a:t>2021/1/23</a:t>
+              <a:t>2021/2/11</a:t>
             </a:fld>
             <a:endParaRPr lang="zh-TW" altLang="en-US"/>
           </a:p>
@@ -1817,7 +1818,7 @@
           <a:p>
             <a:fld id="{89919957-206D-479E-989B-1EE1C344AF5E}" type="datetimeFigureOut">
               <a:rPr lang="zh-TW" altLang="en-US" smtClean="0"/>
-              <a:t>2021/1/23</a:t>
+              <a:t>2021/2/11</a:t>
             </a:fld>
             <a:endParaRPr lang="zh-TW" altLang="en-US"/>
           </a:p>
@@ -1958,7 +1959,7 @@
           <a:p>
             <a:fld id="{89919957-206D-479E-989B-1EE1C344AF5E}" type="datetimeFigureOut">
               <a:rPr lang="zh-TW" altLang="en-US" smtClean="0"/>
-              <a:t>2021/1/23</a:t>
+              <a:t>2021/2/11</a:t>
             </a:fld>
             <a:endParaRPr lang="zh-TW" altLang="en-US"/>
           </a:p>
@@ -2071,7 +2072,7 @@
           <a:p>
             <a:fld id="{89919957-206D-479E-989B-1EE1C344AF5E}" type="datetimeFigureOut">
               <a:rPr lang="zh-TW" altLang="en-US" smtClean="0"/>
-              <a:t>2021/1/23</a:t>
+              <a:t>2021/2/11</a:t>
             </a:fld>
             <a:endParaRPr lang="zh-TW" altLang="en-US"/>
           </a:p>
@@ -2382,7 +2383,7 @@
           <a:p>
             <a:fld id="{89919957-206D-479E-989B-1EE1C344AF5E}" type="datetimeFigureOut">
               <a:rPr lang="zh-TW" altLang="en-US" smtClean="0"/>
-              <a:t>2021/1/23</a:t>
+              <a:t>2021/2/11</a:t>
             </a:fld>
             <a:endParaRPr lang="zh-TW" altLang="en-US"/>
           </a:p>
@@ -2670,7 +2671,7 @@
           <a:p>
             <a:fld id="{89919957-206D-479E-989B-1EE1C344AF5E}" type="datetimeFigureOut">
               <a:rPr lang="zh-TW" altLang="en-US" smtClean="0"/>
-              <a:t>2021/1/23</a:t>
+              <a:t>2021/2/11</a:t>
             </a:fld>
             <a:endParaRPr lang="zh-TW" altLang="en-US"/>
           </a:p>
@@ -2911,7 +2912,7 @@
           <a:p>
             <a:fld id="{89919957-206D-479E-989B-1EE1C344AF5E}" type="datetimeFigureOut">
               <a:rPr lang="zh-TW" altLang="en-US" smtClean="0"/>
-              <a:t>2021/1/23</a:t>
+              <a:t>2021/2/11</a:t>
             </a:fld>
             <a:endParaRPr lang="zh-TW" altLang="en-US"/>
           </a:p>
@@ -4327,8 +4328,8 @@
         </p:nvSpPr>
         <p:spPr>
           <a:xfrm>
-            <a:off x="4411529" y="597973"/>
-            <a:ext cx="2954655" cy="276999"/>
+            <a:off x="4342444" y="582584"/>
+            <a:ext cx="3416320" cy="307777"/>
           </a:xfrm>
           <a:prstGeom prst="rect">
             <a:avLst/>
@@ -4342,7 +4343,7 @@
           <a:lstStyle/>
           <a:p>
             <a:r>
-              <a:rPr lang="zh-TW" altLang="en-US" sz="1200" b="1" dirty="0" smtClean="0">
+              <a:rPr lang="zh-TW" altLang="en-US" sz="1400" b="1" dirty="0" smtClean="0">
                 <a:solidFill>
                   <a:schemeClr val="bg1">
                     <a:lumMod val="65000"/>
@@ -4353,7 +4354,7 @@
               </a:rPr>
               <a:t>汪星人     喵星人     美容預約     獸醫諮詢 </a:t>
             </a:r>
-            <a:endParaRPr lang="zh-TW" altLang="en-US" sz="1200" b="1" dirty="0">
+            <a:endParaRPr lang="zh-TW" altLang="en-US" sz="1400" b="1" dirty="0">
               <a:solidFill>
                 <a:schemeClr val="bg1">
                   <a:lumMod val="65000"/>
@@ -4426,89 +4427,81 @@
               </a:rPr>
               <a:t>?</a:t>
             </a:r>
-            <a:endParaRPr lang="en-US" altLang="zh-TW" sz="4800" b="1" dirty="0" smtClean="0">
+          </a:p>
+        </p:txBody>
+      </p:sp>
+      <p:sp>
+        <p:nvSpPr>
+          <p:cNvPr id="26" name="文字方塊 25">
+            <a:extLst>
+              <a:ext uri="{FF2B5EF4-FFF2-40B4-BE49-F238E27FC236}">
+                <a16:creationId xmlns:a16="http://schemas.microsoft.com/office/drawing/2014/main" id="{CAA49189-0079-48A6-943D-0C71EDCC9646}"/>
+              </a:ext>
+            </a:extLst>
+          </p:cNvPr>
+          <p:cNvSpPr txBox="1"/>
+          <p:nvPr/>
+        </p:nvSpPr>
+        <p:spPr>
+          <a:xfrm>
+            <a:off x="1090246" y="4584473"/>
+            <a:ext cx="4519246" cy="600164"/>
+          </a:xfrm>
+          <a:prstGeom prst="rect">
+            <a:avLst/>
+          </a:prstGeom>
+          <a:noFill/>
+        </p:spPr>
+        <p:txBody>
+          <a:bodyPr wrap="square" rtlCol="0">
+            <a:spAutoFit/>
+          </a:bodyPr>
+          <a:lstStyle/>
+          <a:p>
+            <a:r>
+              <a:rPr lang="zh-TW" altLang="en-US" sz="1600" b="1" dirty="0" smtClean="0">
+                <a:solidFill>
+                  <a:schemeClr val="bg1">
+                    <a:lumMod val="65000"/>
+                  </a:schemeClr>
+                </a:solidFill>
+                <a:latin typeface="細明體-ExtB" panose="02020500000000000000" pitchFamily="18" charset="-120"/>
+                <a:ea typeface="細明體-ExtB" panose="02020500000000000000" pitchFamily="18" charset="-120"/>
+              </a:rPr>
+              <a:t>和我們共同建立美好回憶，</a:t>
+            </a:r>
+            <a:endParaRPr lang="en-US" altLang="zh-TW" sz="1600" b="1" dirty="0" smtClean="0">
               <a:solidFill>
                 <a:schemeClr val="bg1">
                   <a:lumMod val="65000"/>
                 </a:schemeClr>
               </a:solidFill>
-              <a:latin typeface="Arial Black" panose="020B0A04020102020204" pitchFamily="34" charset="0"/>
+              <a:latin typeface="細明體-ExtB" panose="02020500000000000000" pitchFamily="18" charset="-120"/>
+              <a:ea typeface="細明體-ExtB" panose="02020500000000000000" pitchFamily="18" charset="-120"/>
             </a:endParaRPr>
           </a:p>
-        </p:txBody>
-      </p:sp>
-      <p:sp>
-        <p:nvSpPr>
-          <p:cNvPr id="26" name="文字方塊 25">
-            <a:extLst>
-              <a:ext uri="{FF2B5EF4-FFF2-40B4-BE49-F238E27FC236}">
-                <a16:creationId xmlns:a16="http://schemas.microsoft.com/office/drawing/2014/main" id="{CAA49189-0079-48A6-943D-0C71EDCC9646}"/>
-              </a:ext>
-            </a:extLst>
-          </p:cNvPr>
-          <p:cNvSpPr txBox="1"/>
-          <p:nvPr/>
-        </p:nvSpPr>
-        <p:spPr>
-          <a:xfrm>
-            <a:off x="1090246" y="4584473"/>
-            <a:ext cx="4519246" cy="600164"/>
-          </a:xfrm>
-          <a:prstGeom prst="rect">
-            <a:avLst/>
-          </a:prstGeom>
-          <a:noFill/>
-        </p:spPr>
-        <p:txBody>
-          <a:bodyPr wrap="square" rtlCol="0">
-            <a:spAutoFit/>
-          </a:bodyPr>
-          <a:lstStyle/>
-          <a:p>
-            <a:r>
-              <a:rPr lang="zh-TW" altLang="en-US" sz="1600" dirty="0" smtClean="0">
+          <a:p>
+            <a:r>
+              <a:rPr lang="zh-TW" altLang="en-US" sz="1600" b="1" dirty="0" smtClean="0">
                 <a:solidFill>
                   <a:schemeClr val="bg1">
                     <a:lumMod val="65000"/>
                   </a:schemeClr>
                 </a:solidFill>
-                <a:latin typeface="微軟正黑體" panose="020B0604030504040204" pitchFamily="34" charset="-120"/>
-                <a:ea typeface="微軟正黑體" panose="020B0604030504040204" pitchFamily="34" charset="-120"/>
+                <a:latin typeface="細明體-ExtB" panose="02020500000000000000" pitchFamily="18" charset="-120"/>
+                <a:ea typeface="細明體-ExtB" panose="02020500000000000000" pitchFamily="18" charset="-120"/>
               </a:rPr>
-              <a:t>和我們共同建立美好回憶，</a:t>
-            </a:r>
-            <a:endParaRPr lang="en-US" altLang="zh-TW" sz="1600" dirty="0" smtClean="0">
-              <a:solidFill>
-                <a:schemeClr val="bg1">
-                  <a:lumMod val="65000"/>
-                </a:schemeClr>
-              </a:solidFill>
-              <a:latin typeface="微軟正黑體" panose="020B0604030504040204" pitchFamily="34" charset="-120"/>
-              <a:ea typeface="微軟正黑體" panose="020B0604030504040204" pitchFamily="34" charset="-120"/>
-            </a:endParaRPr>
-          </a:p>
-          <a:p>
-            <a:r>
-              <a:rPr lang="zh-TW" altLang="en-US" sz="1600" dirty="0" smtClean="0">
+              <a:t>            為</a:t>
+            </a:r>
+            <a:r>
+              <a:rPr lang="zh-TW" altLang="en-US" sz="1600" b="1" dirty="0">
                 <a:solidFill>
                   <a:schemeClr val="bg1">
                     <a:lumMod val="65000"/>
                   </a:schemeClr>
                 </a:solidFill>
-                <a:latin typeface="微軟正黑體" panose="020B0604030504040204" pitchFamily="34" charset="-120"/>
-                <a:ea typeface="微軟正黑體" panose="020B0604030504040204" pitchFamily="34" charset="-120"/>
-              </a:rPr>
-              <a:t>            為</a:t>
-            </a:r>
-            <a:r>
-              <a:rPr lang="zh-TW" altLang="en-US" sz="1600" dirty="0">
-                <a:solidFill>
-                  <a:schemeClr val="bg1">
-                    <a:lumMod val="65000"/>
-                  </a:schemeClr>
-                </a:solidFill>
-                <a:latin typeface="微軟正黑體" panose="020B0604030504040204" pitchFamily="34" charset="-120"/>
-                <a:ea typeface="微軟正黑體" panose="020B0604030504040204" pitchFamily="34" charset="-120"/>
+                <a:latin typeface="細明體-ExtB" panose="02020500000000000000" pitchFamily="18" charset="-120"/>
+                <a:ea typeface="細明體-ExtB" panose="02020500000000000000" pitchFamily="18" charset="-120"/>
               </a:rPr>
               <a:t>生活帶來更多美好與愛。</a:t>
             </a:r>
@@ -4747,7 +4740,7 @@
         </p:nvGrpSpPr>
         <p:grpSpPr>
           <a:xfrm>
-            <a:off x="11208385" y="589569"/>
+            <a:off x="11086889" y="597973"/>
             <a:ext cx="274370" cy="293806"/>
             <a:chOff x="2338755" y="2074984"/>
             <a:chExt cx="325315" cy="553916"/>
@@ -4868,7 +4861,7 @@
           <p:nvPr/>
         </p:nvPicPr>
         <p:blipFill>
-          <a:blip r:embed="rId3" cstate="print">
+          <a:blip r:embed="rId3" cstate="hqprint">
             <a:extLst>
               <a:ext uri="{28A0092B-C50C-407E-A947-70E740481C1C}">
                 <a14:useLocalDpi xmlns:a14="http://schemas.microsoft.com/office/drawing/2010/main" val="0"/>
@@ -4881,7 +4874,7 @@
         </p:blipFill>
         <p:spPr>
           <a:xfrm>
-            <a:off x="7265377" y="2268416"/>
+            <a:off x="7063154" y="2268415"/>
             <a:ext cx="3297115" cy="3297115"/>
           </a:xfrm>
           <a:prstGeom prst="rect">
@@ -4897,7 +4890,7 @@
         </p:nvSpPr>
         <p:spPr>
           <a:xfrm>
-            <a:off x="10562492" y="3085976"/>
+            <a:off x="10435551" y="3085975"/>
             <a:ext cx="561372" cy="830997"/>
           </a:xfrm>
           <a:prstGeom prst="rect">
@@ -4947,6 +4940,36 @@
 </file>
 
 <file path=ppt/slides/slide3.xml><?xml version="1.0" encoding="utf-8"?>
+<p:sld xmlns:a="http://schemas.openxmlformats.org/drawingml/2006/main" xmlns:r="http://schemas.openxmlformats.org/officeDocument/2006/relationships" xmlns:p="http://schemas.openxmlformats.org/presentationml/2006/main">
+  <p:cSld>
+    <p:spTree>
+      <p:nvGrpSpPr>
+        <p:cNvPr id="1" name=""/>
+        <p:cNvGrpSpPr/>
+        <p:nvPr/>
+      </p:nvGrpSpPr>
+      <p:grpSpPr>
+        <a:xfrm>
+          <a:off x="0" y="0"/>
+          <a:ext cx="0" cy="0"/>
+          <a:chOff x="0" y="0"/>
+          <a:chExt cx="0" cy="0"/>
+        </a:xfrm>
+      </p:grpSpPr>
+    </p:spTree>
+    <p:extLst>
+      <p:ext uri="{BB962C8B-B14F-4D97-AF65-F5344CB8AC3E}">
+        <p14:creationId xmlns:p14="http://schemas.microsoft.com/office/powerpoint/2010/main" val="676102440"/>
+      </p:ext>
+    </p:extLst>
+  </p:cSld>
+  <p:clrMapOvr>
+    <a:masterClrMapping/>
+  </p:clrMapOvr>
+</p:sld>
+</file>
+
+<file path=ppt/slides/slide4.xml><?xml version="1.0" encoding="utf-8"?>
 <p:sld xmlns:a="http://schemas.openxmlformats.org/drawingml/2006/main" xmlns:r="http://schemas.openxmlformats.org/officeDocument/2006/relationships" xmlns:p="http://schemas.openxmlformats.org/presentationml/2006/main">
   <p:cSld>
     <p:spTree>
@@ -5147,13 +5170,13 @@
       </p:grpSp>
       <p:grpSp>
         <p:nvGrpSpPr>
-          <p:cNvPr id="7" name="群組 6"/>
+          <p:cNvPr id="13" name="群組 12"/>
           <p:cNvGrpSpPr/>
           <p:nvPr/>
         </p:nvGrpSpPr>
         <p:grpSpPr>
           <a:xfrm>
-            <a:off x="11208385" y="589569"/>
+            <a:off x="11086889" y="597973"/>
             <a:ext cx="274370" cy="293806"/>
             <a:chOff x="2338755" y="2074984"/>
             <a:chExt cx="325315" cy="553916"/>
@@ -5166,7 +5189,7 @@
         </p:grpSpPr>
         <p:sp>
           <p:nvSpPr>
-            <p:cNvPr id="8" name="矩形 7"/>
+            <p:cNvPr id="14" name="矩形 13"/>
             <p:cNvSpPr/>
             <p:nvPr/>
           </p:nvSpPr>
@@ -5214,7 +5237,7 @@
         </p:sp>
         <p:sp>
           <p:nvSpPr>
-            <p:cNvPr id="9" name="拱形 8"/>
+            <p:cNvPr id="15" name="拱形 14"/>
             <p:cNvSpPr/>
             <p:nvPr/>
           </p:nvSpPr>
